--- a/init_2022/Andmed ja masinõpe.pptx
+++ b/init_2022/Andmed ja masinõpe.pptx
@@ -18,6 +18,7 @@
     <p:sldId id="263" r:id="rId13"/>
     <p:sldId id="264" r:id="rId14"/>
     <p:sldId id="265" r:id="rId15"/>
+    <p:sldId id="266" r:id="rId16"/>
   </p:sldIdLst>
   <p:sldSz cy="5143500" cx="9144000"/>
   <p:notesSz cx="6858000" cy="9144000"/>
@@ -799,7 +800,7 @@
   <p:cSld>
     <p:spTree>
       <p:nvGrpSpPr>
-        <p:cNvPr id="106" name="Shape 106"/>
+        <p:cNvPr id="107" name="Shape 107"/>
         <p:cNvGrpSpPr/>
         <p:nvPr/>
       </p:nvGrpSpPr>
@@ -813,7 +814,7 @@
       </p:grpSpPr>
       <p:sp>
         <p:nvSpPr>
-          <p:cNvPr id="107" name="Google Shape;107;g11989aa0f52_0_99:notes"/>
+          <p:cNvPr id="108" name="Google Shape;108;g11989aa0f52_0_105:notes"/>
           <p:cNvSpPr/>
           <p:nvPr>
             <p:ph idx="2" type="sldImg"/>
@@ -848,7 +849,106 @@
       </p:sp>
       <p:sp>
         <p:nvSpPr>
-          <p:cNvPr id="108" name="Google Shape;108;g11989aa0f52_0_99:notes"/>
+          <p:cNvPr id="109" name="Google Shape;109;g11989aa0f52_0_105:notes"/>
+          <p:cNvSpPr txBox="1"/>
+          <p:nvPr>
+            <p:ph idx="1" type="body"/>
+          </p:nvPr>
+        </p:nvSpPr>
+        <p:spPr>
+          <a:xfrm>
+            <a:off x="685800" y="4343400"/>
+            <a:ext cx="5486400" cy="4114800"/>
+          </a:xfrm>
+          <a:prstGeom prst="rect">
+            <a:avLst/>
+          </a:prstGeom>
+        </p:spPr>
+        <p:txBody>
+          <a:bodyPr anchorCtr="0" anchor="t" bIns="91425" lIns="91425" spcFirstLastPara="1" rIns="91425" wrap="square" tIns="91425">
+            <a:noAutofit/>
+          </a:bodyPr>
+          <a:lstStyle/>
+          <a:p>
+            <a:pPr indent="0" lvl="0" marL="0" rtl="0" algn="l">
+              <a:spcBef>
+                <a:spcPts val="0"/>
+              </a:spcBef>
+              <a:spcAft>
+                <a:spcPts val="0"/>
+              </a:spcAft>
+              <a:buNone/>
+            </a:pPr>
+            <a:r>
+              <a:t/>
+            </a:r>
+            <a:endParaRPr/>
+          </a:p>
+        </p:txBody>
+      </p:sp>
+    </p:spTree>
+  </p:cSld>
+  <p:clrMapOvr>
+    <a:masterClrMapping/>
+  </p:clrMapOvr>
+</p:notes>
+</file>
+
+<file path=ppt/notesSlides/notesSlide11.xml><?xml version="1.0" encoding="utf-8"?>
+<p:notes xmlns:a="http://schemas.openxmlformats.org/drawingml/2006/main" xmlns:r="http://schemas.openxmlformats.org/officeDocument/2006/relationships" xmlns:mc="http://schemas.openxmlformats.org/markup-compatibility/2006" xmlns:mv="urn:schemas-microsoft-com:mac:vml" xmlns:p="http://schemas.openxmlformats.org/presentationml/2006/main" xmlns:c="http://schemas.openxmlformats.org/drawingml/2006/chart" xmlns:dgm="http://schemas.openxmlformats.org/drawingml/2006/diagram" xmlns:o="urn:schemas-microsoft-com:office:office" xmlns:v="urn:schemas-microsoft-com:vml" xmlns:pvml="urn:schemas-microsoft-com:office:powerpoint" xmlns:com="http://schemas.openxmlformats.org/drawingml/2006/compatibility" xmlns:p14="http://schemas.microsoft.com/office/powerpoint/2010/main" xmlns:p15="http://schemas.microsoft.com/office/powerpoint/2012/main" xmlns:ahyp="http://schemas.microsoft.com/office/drawing/2018/hyperlinkcolor" showMasterPhAnim="0" showMasterSp="0">
+  <p:cSld>
+    <p:spTree>
+      <p:nvGrpSpPr>
+        <p:cNvPr id="113" name="Shape 113"/>
+        <p:cNvGrpSpPr/>
+        <p:nvPr/>
+      </p:nvGrpSpPr>
+      <p:grpSpPr>
+        <a:xfrm>
+          <a:off x="0" y="0"/>
+          <a:ext cx="0" cy="0"/>
+          <a:chOff x="0" y="0"/>
+          <a:chExt cx="0" cy="0"/>
+        </a:xfrm>
+      </p:grpSpPr>
+      <p:sp>
+        <p:nvSpPr>
+          <p:cNvPr id="114" name="Google Shape;114;g11989aa0f52_0_99:notes"/>
+          <p:cNvSpPr/>
+          <p:nvPr>
+            <p:ph idx="2" type="sldImg"/>
+          </p:nvPr>
+        </p:nvSpPr>
+        <p:spPr>
+          <a:xfrm>
+            <a:off x="381300" y="685800"/>
+            <a:ext cx="6096000" cy="3429000"/>
+          </a:xfrm>
+          <a:custGeom>
+            <a:rect b="b" l="l" r="r" t="t"/>
+            <a:pathLst>
+              <a:path extrusionOk="0" h="120000" w="120000">
+                <a:moveTo>
+                  <a:pt x="0" y="0"/>
+                </a:moveTo>
+                <a:lnTo>
+                  <a:pt x="120000" y="0"/>
+                </a:lnTo>
+                <a:lnTo>
+                  <a:pt x="120000" y="120000"/>
+                </a:lnTo>
+                <a:lnTo>
+                  <a:pt x="0" y="120000"/>
+                </a:lnTo>
+                <a:close/>
+              </a:path>
+            </a:pathLst>
+          </a:custGeom>
+        </p:spPr>
+      </p:sp>
+      <p:sp>
+        <p:nvSpPr>
+          <p:cNvPr id="115" name="Google Shape;115;g11989aa0f52_0_99:notes"/>
           <p:cNvSpPr txBox="1"/>
           <p:nvPr>
             <p:ph idx="1" type="body"/>
@@ -1407,7 +1507,7 @@
       </p:grpSpPr>
       <p:sp>
         <p:nvSpPr>
-          <p:cNvPr id="87" name="Google Shape;87;g11989aa0f52_0_85:notes"/>
+          <p:cNvPr id="87" name="Google Shape;87;g11989aa0f52_0_121:notes"/>
           <p:cNvSpPr/>
           <p:nvPr>
             <p:ph idx="2" type="sldImg"/>
@@ -1442,7 +1542,7 @@
       </p:sp>
       <p:sp>
         <p:nvSpPr>
-          <p:cNvPr id="88" name="Google Shape;88;g11989aa0f52_0_85:notes"/>
+          <p:cNvPr id="88" name="Google Shape;88;g11989aa0f52_0_121:notes"/>
           <p:cNvSpPr txBox="1"/>
           <p:nvPr>
             <p:ph idx="1" type="body"/>
@@ -1506,7 +1606,7 @@
       </p:grpSpPr>
       <p:sp>
         <p:nvSpPr>
-          <p:cNvPr id="94" name="Google Shape;94;g11989aa0f52_0_92:notes"/>
+          <p:cNvPr id="94" name="Google Shape;94;g11989aa0f52_0_85:notes"/>
           <p:cNvSpPr/>
           <p:nvPr>
             <p:ph idx="2" type="sldImg"/>
@@ -1541,7 +1641,7 @@
       </p:sp>
       <p:sp>
         <p:nvSpPr>
-          <p:cNvPr id="95" name="Google Shape;95;g11989aa0f52_0_92:notes"/>
+          <p:cNvPr id="95" name="Google Shape;95;g11989aa0f52_0_85:notes"/>
           <p:cNvSpPr txBox="1"/>
           <p:nvPr>
             <p:ph idx="1" type="body"/>
@@ -1605,7 +1705,7 @@
       </p:grpSpPr>
       <p:sp>
         <p:nvSpPr>
-          <p:cNvPr id="101" name="Google Shape;101;g11989aa0f52_0_105:notes"/>
+          <p:cNvPr id="101" name="Google Shape;101;g11989aa0f52_0_92:notes"/>
           <p:cNvSpPr/>
           <p:nvPr>
             <p:ph idx="2" type="sldImg"/>
@@ -1640,7 +1740,7 @@
       </p:sp>
       <p:sp>
         <p:nvSpPr>
-          <p:cNvPr id="102" name="Google Shape;102;g11989aa0f52_0_105:notes"/>
+          <p:cNvPr id="102" name="Google Shape;102;g11989aa0f52_0_92:notes"/>
           <p:cNvSpPr txBox="1"/>
           <p:nvPr>
             <p:ph idx="1" type="body"/>
@@ -6523,7 +6623,7 @@
   <p:cSld>
     <p:spTree>
       <p:nvGrpSpPr>
-        <p:cNvPr id="109" name="Shape 109"/>
+        <p:cNvPr id="110" name="Shape 110"/>
         <p:cNvGrpSpPr/>
         <p:nvPr/>
       </p:nvGrpSpPr>
@@ -6537,7 +6637,134 @@
       </p:grpSpPr>
       <p:sp>
         <p:nvSpPr>
-          <p:cNvPr id="110" name="Google Shape;110;p22"/>
+          <p:cNvPr id="111" name="Google Shape;111;p22"/>
+          <p:cNvSpPr txBox="1"/>
+          <p:nvPr>
+            <p:ph type="title"/>
+          </p:nvPr>
+        </p:nvSpPr>
+        <p:spPr>
+          <a:xfrm>
+            <a:off x="311700" y="620375"/>
+            <a:ext cx="8520600" cy="841800"/>
+          </a:xfrm>
+          <a:prstGeom prst="rect">
+            <a:avLst/>
+          </a:prstGeom>
+        </p:spPr>
+        <p:txBody>
+          <a:bodyPr anchorCtr="0" anchor="ctr" bIns="91425" lIns="91425" spcFirstLastPara="1" rIns="91425" wrap="square" tIns="91425">
+            <a:normAutofit/>
+          </a:bodyPr>
+          <a:lstStyle/>
+          <a:p>
+            <a:pPr indent="0" lvl="0" marL="0" rtl="0" algn="ctr">
+              <a:spcBef>
+                <a:spcPts val="0"/>
+              </a:spcBef>
+              <a:spcAft>
+                <a:spcPts val="0"/>
+              </a:spcAft>
+              <a:buNone/>
+            </a:pPr>
+            <a:r>
+              <a:rPr lang="en"/>
+              <a:t>Teeme Excelis läbi</a:t>
+            </a:r>
+            <a:endParaRPr/>
+          </a:p>
+        </p:txBody>
+      </p:sp>
+      <p:sp>
+        <p:nvSpPr>
+          <p:cNvPr id="112" name="Google Shape;112;p22"/>
+          <p:cNvSpPr txBox="1"/>
+          <p:nvPr/>
+        </p:nvSpPr>
+        <p:spPr>
+          <a:xfrm>
+            <a:off x="1062250" y="1516500"/>
+            <a:ext cx="7295400" cy="615600"/>
+          </a:xfrm>
+          <a:prstGeom prst="rect">
+            <a:avLst/>
+          </a:prstGeom>
+          <a:noFill/>
+          <a:ln>
+            <a:noFill/>
+          </a:ln>
+        </p:spPr>
+        <p:txBody>
+          <a:bodyPr anchorCtr="0" anchor="t" bIns="91425" lIns="91425" spcFirstLastPara="1" rIns="91425" wrap="square" tIns="91425">
+            <a:spAutoFit/>
+          </a:bodyPr>
+          <a:lstStyle/>
+          <a:p>
+            <a:pPr indent="-317500" lvl="0" marL="457200" rtl="0" algn="l">
+              <a:spcBef>
+                <a:spcPts val="0"/>
+              </a:spcBef>
+              <a:spcAft>
+                <a:spcPts val="0"/>
+              </a:spcAft>
+              <a:buClr>
+                <a:srgbClr val="00FF00"/>
+              </a:buClr>
+              <a:buSzPts val="1400"/>
+              <a:buChar char="●"/>
+            </a:pPr>
+            <a:r>
+              <a:rPr lang="en">
+                <a:solidFill>
+                  <a:srgbClr val="00FF00"/>
+                </a:solidFill>
+              </a:rPr>
+              <a:t>Mine </a:t>
+            </a:r>
+            <a:r>
+              <a:rPr lang="en">
+                <a:solidFill>
+                  <a:srgbClr val="00FF00"/>
+                </a:solidFill>
+              </a:rPr>
+              <a:t>https://github.com/andribusch/machine_learning_examples/tree/master/init_2022</a:t>
+            </a:r>
+            <a:endParaRPr>
+              <a:solidFill>
+                <a:srgbClr val="00FF00"/>
+              </a:solidFill>
+            </a:endParaRPr>
+          </a:p>
+        </p:txBody>
+      </p:sp>
+    </p:spTree>
+  </p:cSld>
+  <p:clrMapOvr>
+    <a:masterClrMapping/>
+  </p:clrMapOvr>
+</p:sld>
+</file>
+
+<file path=ppt/slides/slide11.xml><?xml version="1.0" encoding="utf-8"?>
+<p:sld xmlns:a="http://schemas.openxmlformats.org/drawingml/2006/main" xmlns:r="http://schemas.openxmlformats.org/officeDocument/2006/relationships" xmlns:mc="http://schemas.openxmlformats.org/markup-compatibility/2006" xmlns:mv="urn:schemas-microsoft-com:mac:vml" xmlns:p="http://schemas.openxmlformats.org/presentationml/2006/main" xmlns:c="http://schemas.openxmlformats.org/drawingml/2006/chart" xmlns:dgm="http://schemas.openxmlformats.org/drawingml/2006/diagram" xmlns:o="urn:schemas-microsoft-com:office:office" xmlns:v="urn:schemas-microsoft-com:vml" xmlns:pvml="urn:schemas-microsoft-com:office:powerpoint" xmlns:com="http://schemas.openxmlformats.org/drawingml/2006/compatibility" xmlns:p14="http://schemas.microsoft.com/office/powerpoint/2010/main" xmlns:p15="http://schemas.microsoft.com/office/powerpoint/2012/main" xmlns:ahyp="http://schemas.microsoft.com/office/drawing/2018/hyperlinkcolor">
+  <p:cSld>
+    <p:spTree>
+      <p:nvGrpSpPr>
+        <p:cNvPr id="116" name="Shape 116"/>
+        <p:cNvGrpSpPr/>
+        <p:nvPr/>
+      </p:nvGrpSpPr>
+      <p:grpSpPr>
+        <a:xfrm>
+          <a:off x="0" y="0"/>
+          <a:ext cx="0" cy="0"/>
+          <a:chOff x="0" y="0"/>
+          <a:chExt cx="0" cy="0"/>
+        </a:xfrm>
+      </p:grpSpPr>
+      <p:sp>
+        <p:nvSpPr>
+          <p:cNvPr id="117" name="Google Shape;117;p23"/>
           <p:cNvSpPr txBox="1"/>
           <p:nvPr>
             <p:ph type="title"/>
@@ -6577,7 +6804,7 @@
       </p:sp>
       <p:pic>
         <p:nvPicPr>
-          <p:cNvPr id="111" name="Google Shape;111;p22"/>
+          <p:cNvPr id="118" name="Google Shape;118;p23"/>
           <p:cNvPicPr preferRelativeResize="0"/>
           <p:nvPr/>
         </p:nvPicPr>
@@ -7457,230 +7684,7 @@
             </a:pPr>
             <a:r>
               <a:rPr lang="en"/>
-              <a:t>K-Lähimat naabrit</a:t>
-            </a:r>
-            <a:endParaRPr/>
-          </a:p>
-        </p:txBody>
-      </p:sp>
-      <p:sp>
-        <p:nvSpPr>
-          <p:cNvPr id="91" name="Google Shape;91;p19"/>
-          <p:cNvSpPr txBox="1"/>
-          <p:nvPr>
-            <p:ph idx="1" type="body"/>
-          </p:nvPr>
-        </p:nvSpPr>
-        <p:spPr>
-          <a:xfrm>
-            <a:off x="311700" y="1152475"/>
-            <a:ext cx="8520600" cy="3416400"/>
-          </a:xfrm>
-          <a:prstGeom prst="rect">
-            <a:avLst/>
-          </a:prstGeom>
-        </p:spPr>
-        <p:txBody>
-          <a:bodyPr anchorCtr="0" anchor="t" bIns="91425" lIns="91425" spcFirstLastPara="1" rIns="91425" wrap="square" tIns="91425">
-            <a:normAutofit/>
-          </a:bodyPr>
-          <a:lstStyle/>
-          <a:p>
-            <a:pPr indent="-342900" lvl="0" marL="457200" rtl="0" algn="l">
-              <a:spcBef>
-                <a:spcPts val="0"/>
-              </a:spcBef>
-              <a:spcAft>
-                <a:spcPts val="0"/>
-              </a:spcAft>
-              <a:buSzPts val="1800"/>
-              <a:buChar char="●"/>
-            </a:pPr>
-            <a:r>
-              <a:rPr lang="en"/>
-              <a:t>Meil on punkt ? ning tahame määrata, mis klassiga on tegu</a:t>
-            </a:r>
-            <a:endParaRPr/>
-          </a:p>
-          <a:p>
-            <a:pPr indent="-342900" lvl="0" marL="457200" rtl="0" algn="l">
-              <a:spcBef>
-                <a:spcPts val="0"/>
-              </a:spcBef>
-              <a:spcAft>
-                <a:spcPts val="0"/>
-              </a:spcAft>
-              <a:buSzPts val="1800"/>
-              <a:buChar char="●"/>
-            </a:pPr>
-            <a:r>
-              <a:rPr lang="en"/>
-              <a:t>Mis on klass?</a:t>
-            </a:r>
-            <a:endParaRPr/>
-          </a:p>
-          <a:p>
-            <a:pPr indent="-317500" lvl="1" marL="914400" rtl="0" algn="l">
-              <a:spcBef>
-                <a:spcPts val="0"/>
-              </a:spcBef>
-              <a:spcAft>
-                <a:spcPts val="0"/>
-              </a:spcAft>
-              <a:buClr>
-                <a:srgbClr val="00FF00"/>
-              </a:buClr>
-              <a:buSzPts val="1400"/>
-              <a:buChar char="○"/>
-            </a:pPr>
-            <a:r>
-              <a:rPr lang="en">
-                <a:solidFill>
-                  <a:srgbClr val="00FF00"/>
-                </a:solidFill>
-              </a:rPr>
-              <a:t>Kass / Koer</a:t>
-            </a:r>
-            <a:endParaRPr>
-              <a:solidFill>
-                <a:srgbClr val="00FF00"/>
-              </a:solidFill>
-            </a:endParaRPr>
-          </a:p>
-          <a:p>
-            <a:pPr indent="-317500" lvl="1" marL="914400" rtl="0" algn="l">
-              <a:spcBef>
-                <a:spcPts val="0"/>
-              </a:spcBef>
-              <a:spcAft>
-                <a:spcPts val="0"/>
-              </a:spcAft>
-              <a:buClr>
-                <a:srgbClr val="00FF00"/>
-              </a:buClr>
-              <a:buSzPts val="1400"/>
-              <a:buChar char="○"/>
-            </a:pPr>
-            <a:r>
-              <a:rPr lang="en">
-                <a:solidFill>
-                  <a:srgbClr val="00FF00"/>
-                </a:solidFill>
-              </a:rPr>
-              <a:t>Hea / halb vein</a:t>
-            </a:r>
-            <a:endParaRPr>
-              <a:solidFill>
-                <a:srgbClr val="00FF00"/>
-              </a:solidFill>
-            </a:endParaRPr>
-          </a:p>
-          <a:p>
-            <a:pPr indent="-317500" lvl="1" marL="914400" rtl="0" algn="l">
-              <a:spcBef>
-                <a:spcPts val="0"/>
-              </a:spcBef>
-              <a:spcAft>
-                <a:spcPts val="0"/>
-              </a:spcAft>
-              <a:buClr>
-                <a:srgbClr val="00FF00"/>
-              </a:buClr>
-              <a:buSzPts val="1400"/>
-              <a:buChar char="○"/>
-            </a:pPr>
-            <a:r>
-              <a:rPr lang="en">
-                <a:solidFill>
-                  <a:srgbClr val="00FF00"/>
-                </a:solidFill>
-              </a:rPr>
-              <a:t>Profit / loss</a:t>
-            </a:r>
-            <a:endParaRPr>
-              <a:solidFill>
-                <a:srgbClr val="00FF00"/>
-              </a:solidFill>
-            </a:endParaRPr>
-          </a:p>
-          <a:p>
-            <a:pPr indent="-317500" lvl="1" marL="914400" rtl="0" algn="l">
-              <a:spcBef>
-                <a:spcPts val="0"/>
-              </a:spcBef>
-              <a:spcAft>
-                <a:spcPts val="0"/>
-              </a:spcAft>
-              <a:buClr>
-                <a:srgbClr val="00FF00"/>
-              </a:buClr>
-              <a:buSzPts val="1400"/>
-              <a:buChar char="○"/>
-            </a:pPr>
-            <a:r>
-              <a:rPr lang="en">
-                <a:solidFill>
-                  <a:srgbClr val="00FF00"/>
-                </a:solidFill>
-              </a:rPr>
-              <a:t>Kliendi tüüp - ratsionaalne /emotsiooniost</a:t>
-            </a:r>
-            <a:endParaRPr>
-              <a:solidFill>
-                <a:srgbClr val="00FF00"/>
-              </a:solidFill>
-            </a:endParaRPr>
-          </a:p>
-          <a:p>
-            <a:pPr indent="-317500" lvl="1" marL="914400" rtl="0" algn="l">
-              <a:spcBef>
-                <a:spcPts val="0"/>
-              </a:spcBef>
-              <a:spcAft>
-                <a:spcPts val="0"/>
-              </a:spcAft>
-              <a:buClr>
-                <a:srgbClr val="00FF00"/>
-              </a:buClr>
-              <a:buSzPts val="1400"/>
-              <a:buChar char="○"/>
-            </a:pPr>
-            <a:r>
-              <a:rPr lang="en">
-                <a:solidFill>
-                  <a:srgbClr val="00FF00"/>
-                </a:solidFill>
-              </a:rPr>
-              <a:t>Jne</a:t>
-            </a:r>
-            <a:r>
-              <a:rPr lang="en">
-                <a:solidFill>
-                  <a:srgbClr val="00FF00"/>
-                </a:solidFill>
-              </a:rPr>
-              <a:t>.</a:t>
-            </a:r>
-            <a:endParaRPr>
-              <a:solidFill>
-                <a:srgbClr val="00FF00"/>
-              </a:solidFill>
-            </a:endParaRPr>
-          </a:p>
-          <a:p>
-            <a:pPr indent="-342900" lvl="0" marL="457200" rtl="0" algn="l">
-              <a:spcBef>
-                <a:spcPts val="0"/>
-              </a:spcBef>
-              <a:spcAft>
-                <a:spcPts val="0"/>
-              </a:spcAft>
-              <a:buSzPts val="1800"/>
-              <a:buChar char="●"/>
-            </a:pPr>
-            <a:r>
-              <a:rPr lang="en"/>
-              <a:t>Valime klassi, lugedes kokku naabrid </a:t>
+              <a:t>Mida me täna teeme</a:t>
             </a:r>
             <a:endParaRPr/>
           </a:p>
@@ -7688,7 +7692,7 @@
       </p:sp>
       <p:pic>
         <p:nvPicPr>
-          <p:cNvPr id="92" name="Google Shape;92;p19"/>
+          <p:cNvPr id="91" name="Google Shape;91;p19"/>
           <p:cNvPicPr preferRelativeResize="0"/>
           <p:nvPr/>
         </p:nvPicPr>
@@ -7702,8 +7706,8 @@
         </p:blipFill>
         <p:spPr>
           <a:xfrm>
-            <a:off x="5481575" y="1882125"/>
-            <a:ext cx="3442125" cy="2657850"/>
+            <a:off x="4639350" y="830075"/>
+            <a:ext cx="3344001" cy="4145926"/>
           </a:xfrm>
           <a:prstGeom prst="rect">
             <a:avLst/>
@@ -7714,6 +7718,56 @@
           </a:ln>
         </p:spPr>
       </p:pic>
+      <p:sp>
+        <p:nvSpPr>
+          <p:cNvPr id="92" name="Google Shape;92;p19"/>
+          <p:cNvSpPr txBox="1"/>
+          <p:nvPr/>
+        </p:nvSpPr>
+        <p:spPr>
+          <a:xfrm>
+            <a:off x="577375" y="1270250"/>
+            <a:ext cx="2439600" cy="831300"/>
+          </a:xfrm>
+          <a:prstGeom prst="rect">
+            <a:avLst/>
+          </a:prstGeom>
+          <a:noFill/>
+          <a:ln>
+            <a:noFill/>
+          </a:ln>
+        </p:spPr>
+        <p:txBody>
+          <a:bodyPr anchorCtr="0" anchor="t" bIns="91425" lIns="91425" spcFirstLastPara="1" rIns="91425" wrap="square" tIns="91425">
+            <a:spAutoFit/>
+          </a:bodyPr>
+          <a:lstStyle/>
+          <a:p>
+            <a:pPr indent="0" lvl="0" marL="0" rtl="0" algn="l">
+              <a:spcBef>
+                <a:spcPts val="0"/>
+              </a:spcBef>
+              <a:spcAft>
+                <a:spcPts val="0"/>
+              </a:spcAft>
+              <a:buNone/>
+            </a:pPr>
+            <a:r>
+              <a:rPr lang="en">
+                <a:solidFill>
+                  <a:srgbClr val="00FF00"/>
+                </a:solidFill>
+              </a:rPr>
+              <a:t>Ei saa skippida eeldusi, kuid vaatame mida see teema endast kujutab</a:t>
+            </a:r>
+            <a:endParaRPr>
+              <a:solidFill>
+                <a:srgbClr val="00FF00"/>
+              </a:solidFill>
+            </a:endParaRPr>
+          </a:p>
+        </p:txBody>
+      </p:sp>
     </p:spTree>
   </p:cSld>
   <p:clrMapOvr>
@@ -7773,7 +7827,7 @@
             </a:pPr>
             <a:r>
               <a:rPr lang="en"/>
-              <a:t>Natuke matat ka</a:t>
+              <a:t>K-Lähimat naabrit</a:t>
             </a:r>
             <a:endParaRPr/>
           </a:p>
@@ -7814,59 +7868,14 @@
             </a:pPr>
             <a:r>
               <a:rPr lang="en"/>
-              <a:t>Kaugus 2 punkti vahel - Analüütiline Geomeetria (10.kl matem.)</a:t>
-            </a:r>
-            <a:endParaRPr/>
-          </a:p>
-          <a:p>
-            <a:pPr indent="0" lvl="0" marL="0" rtl="0" algn="l">
-              <a:spcBef>
-                <a:spcPts val="1200"/>
-              </a:spcBef>
-              <a:spcAft>
-                <a:spcPts val="0"/>
-              </a:spcAft>
-              <a:buNone/>
-            </a:pPr>
-            <a:r>
-              <a:t/>
-            </a:r>
-            <a:endParaRPr/>
-          </a:p>
-          <a:p>
-            <a:pPr indent="0" lvl="0" marL="0" rtl="0" algn="l">
-              <a:spcBef>
-                <a:spcPts val="1200"/>
-              </a:spcBef>
-              <a:spcAft>
-                <a:spcPts val="0"/>
-              </a:spcAft>
-              <a:buNone/>
-            </a:pPr>
-            <a:r>
-              <a:t/>
-            </a:r>
-            <a:endParaRPr/>
-          </a:p>
-          <a:p>
-            <a:pPr indent="0" lvl="0" marL="0" rtl="0" algn="l">
-              <a:spcBef>
-                <a:spcPts val="1200"/>
-              </a:spcBef>
-              <a:spcAft>
-                <a:spcPts val="0"/>
-              </a:spcAft>
-              <a:buNone/>
-            </a:pPr>
-            <a:r>
-              <a:t/>
+              <a:t>Meil on punkt ? ning tahame määrata, mis klassiga on tegu</a:t>
             </a:r>
             <a:endParaRPr/>
           </a:p>
           <a:p>
             <a:pPr indent="-342900" lvl="0" marL="457200" rtl="0" algn="l">
               <a:spcBef>
-                <a:spcPts val="1200"/>
+                <a:spcPts val="0"/>
               </a:spcBef>
               <a:spcAft>
                 <a:spcPts val="0"/>
@@ -7876,7 +7885,7 @@
             </a:pPr>
             <a:r>
               <a:rPr lang="en"/>
-              <a:t>Algoritm </a:t>
+              <a:t>Mis on klass?</a:t>
             </a:r>
             <a:endParaRPr/>
           </a:p>
@@ -7900,7 +7909,7 @@
                   <a:srgbClr val="00FF00"/>
                 </a:solidFill>
               </a:rPr>
-              <a:t>Arvuta objekti a kaugus kõikidest teistest objektidest</a:t>
+              <a:t>Kass / Koer</a:t>
             </a:r>
             <a:endParaRPr>
               <a:solidFill>
@@ -7928,7 +7937,7 @@
                   <a:srgbClr val="00FF00"/>
                 </a:solidFill>
               </a:rPr>
-              <a:t>Võta nt. 6 lähimat naabrit</a:t>
+              <a:t>Hea / halb vein</a:t>
             </a:r>
             <a:endParaRPr>
               <a:solidFill>
@@ -7956,13 +7965,94 @@
                   <a:srgbClr val="00FF00"/>
                 </a:solidFill>
               </a:rPr>
-              <a:t>Meie otsitav objekt on nende 6 naabri mood (statistikast)</a:t>
+              <a:t>Profit / loss</a:t>
             </a:r>
             <a:endParaRPr>
               <a:solidFill>
                 <a:srgbClr val="00FF00"/>
               </a:solidFill>
             </a:endParaRPr>
+          </a:p>
+          <a:p>
+            <a:pPr indent="-317500" lvl="1" marL="914400" rtl="0" algn="l">
+              <a:spcBef>
+                <a:spcPts val="0"/>
+              </a:spcBef>
+              <a:spcAft>
+                <a:spcPts val="0"/>
+              </a:spcAft>
+              <a:buClr>
+                <a:srgbClr val="00FF00"/>
+              </a:buClr>
+              <a:buSzPts val="1400"/>
+              <a:buChar char="○"/>
+            </a:pPr>
+            <a:r>
+              <a:rPr lang="en">
+                <a:solidFill>
+                  <a:srgbClr val="00FF00"/>
+                </a:solidFill>
+              </a:rPr>
+              <a:t>Kliendi tüüp - ratsionaalne /emotsiooniost</a:t>
+            </a:r>
+            <a:endParaRPr>
+              <a:solidFill>
+                <a:srgbClr val="00FF00"/>
+              </a:solidFill>
+            </a:endParaRPr>
+          </a:p>
+          <a:p>
+            <a:pPr indent="-317500" lvl="1" marL="914400" rtl="0" algn="l">
+              <a:spcBef>
+                <a:spcPts val="0"/>
+              </a:spcBef>
+              <a:spcAft>
+                <a:spcPts val="0"/>
+              </a:spcAft>
+              <a:buClr>
+                <a:srgbClr val="00FF00"/>
+              </a:buClr>
+              <a:buSzPts val="1400"/>
+              <a:buChar char="○"/>
+            </a:pPr>
+            <a:r>
+              <a:rPr lang="en">
+                <a:solidFill>
+                  <a:srgbClr val="00FF00"/>
+                </a:solidFill>
+              </a:rPr>
+              <a:t>Jne</a:t>
+            </a:r>
+            <a:r>
+              <a:rPr lang="en">
+                <a:solidFill>
+                  <a:srgbClr val="00FF00"/>
+                </a:solidFill>
+              </a:rPr>
+              <a:t>.</a:t>
+            </a:r>
+            <a:endParaRPr>
+              <a:solidFill>
+                <a:srgbClr val="00FF00"/>
+              </a:solidFill>
+            </a:endParaRPr>
+          </a:p>
+          <a:p>
+            <a:pPr indent="-342900" lvl="0" marL="457200" rtl="0" algn="l">
+              <a:spcBef>
+                <a:spcPts val="0"/>
+              </a:spcBef>
+              <a:spcAft>
+                <a:spcPts val="0"/>
+              </a:spcAft>
+              <a:buSzPts val="1800"/>
+              <a:buChar char="●"/>
+            </a:pPr>
+            <a:r>
+              <a:rPr lang="en"/>
+              <a:t>Valime klassi, lugedes kokku naabrid </a:t>
+            </a:r>
+            <a:endParaRPr/>
           </a:p>
         </p:txBody>
       </p:sp>
@@ -7982,8 +8072,8 @@
         </p:blipFill>
         <p:spPr>
           <a:xfrm>
-            <a:off x="837425" y="1666450"/>
-            <a:ext cx="6926100" cy="1212800"/>
+            <a:off x="5481575" y="1882125"/>
+            <a:ext cx="3442125" cy="2657850"/>
           </a:xfrm>
           <a:prstGeom prst="rect">
             <a:avLst/>
@@ -8029,20 +8119,20 @@
         </p:nvSpPr>
         <p:spPr>
           <a:xfrm>
-            <a:off x="311700" y="620375"/>
-            <a:ext cx="8520600" cy="841800"/>
+            <a:off x="311700" y="445025"/>
+            <a:ext cx="8520600" cy="572700"/>
           </a:xfrm>
           <a:prstGeom prst="rect">
             <a:avLst/>
           </a:prstGeom>
         </p:spPr>
         <p:txBody>
-          <a:bodyPr anchorCtr="0" anchor="ctr" bIns="91425" lIns="91425" spcFirstLastPara="1" rIns="91425" wrap="square" tIns="91425">
-            <a:normAutofit/>
+          <a:bodyPr anchorCtr="0" anchor="t" bIns="91425" lIns="91425" spcFirstLastPara="1" rIns="91425" wrap="square" tIns="91425">
+            <a:normAutofit fontScale="90000"/>
           </a:bodyPr>
           <a:lstStyle/>
           <a:p>
-            <a:pPr indent="0" lvl="0" marL="0" rtl="0" algn="ctr">
+            <a:pPr indent="0" lvl="0" marL="0" rtl="0" algn="l">
               <a:spcBef>
                 <a:spcPts val="0"/>
               </a:spcBef>
@@ -8053,7 +8143,7 @@
             </a:pPr>
             <a:r>
               <a:rPr lang="en"/>
-              <a:t>Teeme Excelis läbi</a:t>
+              <a:t>Natuke matat ka</a:t>
             </a:r>
             <a:endParaRPr/>
           </a:p>
@@ -8063,12 +8153,207 @@
         <p:nvSpPr>
           <p:cNvPr id="105" name="Google Shape;105;p21"/>
           <p:cNvSpPr txBox="1"/>
-          <p:nvPr/>
+          <p:nvPr>
+            <p:ph idx="1" type="body"/>
+          </p:nvPr>
         </p:nvSpPr>
         <p:spPr>
           <a:xfrm>
-            <a:off x="1062250" y="1516500"/>
-            <a:ext cx="7295400" cy="615600"/>
+            <a:off x="311700" y="1152475"/>
+            <a:ext cx="8520600" cy="3416400"/>
+          </a:xfrm>
+          <a:prstGeom prst="rect">
+            <a:avLst/>
+          </a:prstGeom>
+        </p:spPr>
+        <p:txBody>
+          <a:bodyPr anchorCtr="0" anchor="t" bIns="91425" lIns="91425" spcFirstLastPara="1" rIns="91425" wrap="square" tIns="91425">
+            <a:normAutofit/>
+          </a:bodyPr>
+          <a:lstStyle/>
+          <a:p>
+            <a:pPr indent="-342900" lvl="0" marL="457200" rtl="0" algn="l">
+              <a:spcBef>
+                <a:spcPts val="0"/>
+              </a:spcBef>
+              <a:spcAft>
+                <a:spcPts val="0"/>
+              </a:spcAft>
+              <a:buSzPts val="1800"/>
+              <a:buChar char="●"/>
+            </a:pPr>
+            <a:r>
+              <a:rPr lang="en"/>
+              <a:t>Kaugus 2 punkti vahel - Analüütiline Geomeetria (10.kl matem.)</a:t>
+            </a:r>
+            <a:endParaRPr/>
+          </a:p>
+          <a:p>
+            <a:pPr indent="0" lvl="0" marL="0" rtl="0" algn="l">
+              <a:spcBef>
+                <a:spcPts val="1200"/>
+              </a:spcBef>
+              <a:spcAft>
+                <a:spcPts val="0"/>
+              </a:spcAft>
+              <a:buNone/>
+            </a:pPr>
+            <a:r>
+              <a:t/>
+            </a:r>
+            <a:endParaRPr/>
+          </a:p>
+          <a:p>
+            <a:pPr indent="0" lvl="0" marL="0" rtl="0" algn="l">
+              <a:spcBef>
+                <a:spcPts val="1200"/>
+              </a:spcBef>
+              <a:spcAft>
+                <a:spcPts val="0"/>
+              </a:spcAft>
+              <a:buNone/>
+            </a:pPr>
+            <a:r>
+              <a:t/>
+            </a:r>
+            <a:endParaRPr/>
+          </a:p>
+          <a:p>
+            <a:pPr indent="0" lvl="0" marL="0" rtl="0" algn="l">
+              <a:spcBef>
+                <a:spcPts val="1200"/>
+              </a:spcBef>
+              <a:spcAft>
+                <a:spcPts val="0"/>
+              </a:spcAft>
+              <a:buNone/>
+            </a:pPr>
+            <a:r>
+              <a:t/>
+            </a:r>
+            <a:endParaRPr/>
+          </a:p>
+          <a:p>
+            <a:pPr indent="-342900" lvl="0" marL="457200" rtl="0" algn="l">
+              <a:spcBef>
+                <a:spcPts val="1200"/>
+              </a:spcBef>
+              <a:spcAft>
+                <a:spcPts val="0"/>
+              </a:spcAft>
+              <a:buSzPts val="1800"/>
+              <a:buChar char="●"/>
+            </a:pPr>
+            <a:r>
+              <a:rPr lang="en"/>
+              <a:t>Algoritm </a:t>
+            </a:r>
+            <a:endParaRPr/>
+          </a:p>
+          <a:p>
+            <a:pPr indent="-317500" lvl="1" marL="914400" rtl="0" algn="l">
+              <a:spcBef>
+                <a:spcPts val="0"/>
+              </a:spcBef>
+              <a:spcAft>
+                <a:spcPts val="0"/>
+              </a:spcAft>
+              <a:buClr>
+                <a:srgbClr val="00FF00"/>
+              </a:buClr>
+              <a:buSzPts val="1400"/>
+              <a:buChar char="○"/>
+            </a:pPr>
+            <a:r>
+              <a:rPr lang="en">
+                <a:solidFill>
+                  <a:srgbClr val="00FF00"/>
+                </a:solidFill>
+              </a:rPr>
+              <a:t>Arvuta objekti a kaugus kõikidest teistest objektidest</a:t>
+            </a:r>
+            <a:endParaRPr>
+              <a:solidFill>
+                <a:srgbClr val="00FF00"/>
+              </a:solidFill>
+            </a:endParaRPr>
+          </a:p>
+          <a:p>
+            <a:pPr indent="-317500" lvl="1" marL="914400" rtl="0" algn="l">
+              <a:spcBef>
+                <a:spcPts val="0"/>
+              </a:spcBef>
+              <a:spcAft>
+                <a:spcPts val="0"/>
+              </a:spcAft>
+              <a:buClr>
+                <a:srgbClr val="00FF00"/>
+              </a:buClr>
+              <a:buSzPts val="1400"/>
+              <a:buChar char="○"/>
+            </a:pPr>
+            <a:r>
+              <a:rPr lang="en">
+                <a:solidFill>
+                  <a:srgbClr val="00FF00"/>
+                </a:solidFill>
+              </a:rPr>
+              <a:t>Võta nt. 6 lähimat naabrit</a:t>
+            </a:r>
+            <a:endParaRPr>
+              <a:solidFill>
+                <a:srgbClr val="00FF00"/>
+              </a:solidFill>
+            </a:endParaRPr>
+          </a:p>
+          <a:p>
+            <a:pPr indent="-317500" lvl="1" marL="914400" rtl="0" algn="l">
+              <a:spcBef>
+                <a:spcPts val="0"/>
+              </a:spcBef>
+              <a:spcAft>
+                <a:spcPts val="0"/>
+              </a:spcAft>
+              <a:buClr>
+                <a:srgbClr val="00FF00"/>
+              </a:buClr>
+              <a:buSzPts val="1400"/>
+              <a:buChar char="○"/>
+            </a:pPr>
+            <a:r>
+              <a:rPr lang="en">
+                <a:solidFill>
+                  <a:srgbClr val="00FF00"/>
+                </a:solidFill>
+              </a:rPr>
+              <a:t>Meie otsitav objekt on nende 6 naabri mood (statistikast)</a:t>
+            </a:r>
+            <a:endParaRPr>
+              <a:solidFill>
+                <a:srgbClr val="00FF00"/>
+              </a:solidFill>
+            </a:endParaRPr>
+          </a:p>
+        </p:txBody>
+      </p:sp>
+      <p:pic>
+        <p:nvPicPr>
+          <p:cNvPr id="106" name="Google Shape;106;p21"/>
+          <p:cNvPicPr preferRelativeResize="0"/>
+          <p:nvPr/>
+        </p:nvPicPr>
+        <p:blipFill>
+          <a:blip r:embed="rId3">
+            <a:alphaModFix/>
+          </a:blip>
+          <a:stretch>
+            <a:fillRect/>
+          </a:stretch>
+        </p:blipFill>
+        <p:spPr>
+          <a:xfrm>
+            <a:off x="837425" y="1666450"/>
+            <a:ext cx="6926100" cy="1212800"/>
           </a:xfrm>
           <a:prstGeom prst="rect">
             <a:avLst/>
@@ -8078,49 +8363,7 @@
             <a:noFill/>
           </a:ln>
         </p:spPr>
-        <p:txBody>
-          <a:bodyPr anchorCtr="0" anchor="t" bIns="91425" lIns="91425" spcFirstLastPara="1" rIns="91425" wrap="square" tIns="91425">
-            <a:spAutoFit/>
-          </a:bodyPr>
-          <a:lstStyle/>
-          <a:p>
-            <a:pPr indent="-317500" lvl="0" marL="457200" rtl="0" algn="l">
-              <a:spcBef>
-                <a:spcPts val="0"/>
-              </a:spcBef>
-              <a:spcAft>
-                <a:spcPts val="0"/>
-              </a:spcAft>
-              <a:buClr>
-                <a:srgbClr val="00FF00"/>
-              </a:buClr>
-              <a:buSzPts val="1400"/>
-              <a:buChar char="●"/>
-            </a:pPr>
-            <a:r>
-              <a:rPr lang="en">
-                <a:solidFill>
-                  <a:srgbClr val="00FF00"/>
-                </a:solidFill>
-              </a:rPr>
-              <a:t>Mine </a:t>
-            </a:r>
-            <a:r>
-              <a:rPr lang="en">
-                <a:solidFill>
-                  <a:srgbClr val="00FF00"/>
-                </a:solidFill>
-              </a:rPr>
-              <a:t>https://github.com/andribusch/machine_learning_examples/tree/master/init_2022</a:t>
-            </a:r>
-            <a:endParaRPr>
-              <a:solidFill>
-                <a:srgbClr val="00FF00"/>
-              </a:solidFill>
-            </a:endParaRPr>
-          </a:p>
-        </p:txBody>
-      </p:sp>
+      </p:pic>
     </p:spTree>
   </p:cSld>
   <p:clrMapOvr>
